--- a/lg/Logo.pptx
+++ b/lg/Logo.pptx
@@ -104,6 +104,11 @@
       </a:defRPr>
     </a:lvl9pPr>
   </p:defaultTextStyle>
+  <p:extLst>
+    <p:ext uri="{EFAFB233-063F-42B5-8137-9DF3F51BA10A}">
+      <p15:sldGuideLst xmlns:p15="http://schemas.microsoft.com/office/powerpoint/2012/main"/>
+    </p:ext>
+  </p:extLst>
 </p:presentation>
 </file>
 
@@ -2964,6 +2969,43 @@
           <a:chExt cx="0" cy="0"/>
         </a:xfrm>
       </p:grpSpPr>
+      <p:pic>
+        <p:nvPicPr>
+          <p:cNvPr id="7" name="Picture 6"/>
+          <p:cNvPicPr>
+            <a:picLocks noChangeAspect="1"/>
+          </p:cNvPicPr>
+          <p:nvPr/>
+        </p:nvPicPr>
+        <p:blipFill>
+          <a:blip r:embed="rId2" cstate="print">
+            <a:duotone>
+              <a:prstClr val="black"/>
+              <a:srgbClr val="77B93A">
+                <a:tint val="45000"/>
+                <a:satMod val="400000"/>
+              </a:srgbClr>
+            </a:duotone>
+            <a:extLst>
+              <a:ext uri="{28A0092B-C50C-407E-A947-70E740481C1C}">
+                <a14:useLocalDpi xmlns:a14="http://schemas.microsoft.com/office/drawing/2010/main" val="0"/>
+              </a:ext>
+            </a:extLst>
+          </a:blip>
+          <a:stretch>
+            <a:fillRect/>
+          </a:stretch>
+        </p:blipFill>
+        <p:spPr>
+          <a:xfrm>
+            <a:off x="8531936" y="2155372"/>
+            <a:ext cx="967725" cy="909178"/>
+          </a:xfrm>
+          <a:prstGeom prst="rect">
+            <a:avLst/>
+          </a:prstGeom>
+        </p:spPr>
+      </p:pic>
       <p:sp>
         <p:nvSpPr>
           <p:cNvPr id="12" name="Rectangle 11"/>
@@ -3015,7 +3057,7 @@
         </p:nvSpPr>
         <p:spPr>
           <a:xfrm>
-            <a:off x="8595468" y="3002346"/>
+            <a:off x="6362808" y="5394338"/>
             <a:ext cx="2093843" cy="923330"/>
           </a:xfrm>
           <a:prstGeom prst="rect">
@@ -3066,7 +3108,7 @@
         </p:nvSpPr>
         <p:spPr>
           <a:xfrm>
-            <a:off x="8604895" y="3002346"/>
+            <a:off x="6372235" y="5394338"/>
             <a:ext cx="354584" cy="923330"/>
           </a:xfrm>
           <a:prstGeom prst="rect">
@@ -3122,7 +3164,7 @@
         </p:nvSpPr>
         <p:spPr>
           <a:xfrm>
-            <a:off x="10126987" y="3002412"/>
+            <a:off x="7894327" y="5394404"/>
             <a:ext cx="713658" cy="923330"/>
           </a:xfrm>
           <a:prstGeom prst="rect">
@@ -3302,6 +3344,268 @@
         <p:sp>
           <p:nvSpPr>
             <p:cNvPr id="11" name="Rectangle 10"/>
+            <p:cNvSpPr/>
+            <p:nvPr/>
+          </p:nvSpPr>
+          <p:spPr>
+            <a:xfrm>
+              <a:off x="4497614" y="2716530"/>
+              <a:ext cx="713658" cy="923330"/>
+            </a:xfrm>
+            <a:prstGeom prst="rect">
+              <a:avLst/>
+            </a:prstGeom>
+            <a:ln>
+              <a:noFill/>
+            </a:ln>
+          </p:spPr>
+          <p:txBody>
+            <a:bodyPr wrap="none">
+              <a:spAutoFit/>
+            </a:bodyPr>
+            <a:lstStyle/>
+            <a:p>
+              <a:pPr algn="ctr"/>
+              <a:r>
+                <a:rPr lang="en-US" sz="5400" b="1" dirty="0" smtClean="0">
+                  <a:ln w="6600">
+                    <a:solidFill>
+                      <a:srgbClr val="66B021"/>
+                    </a:solidFill>
+                    <a:prstDash val="solid"/>
+                  </a:ln>
+                  <a:solidFill>
+                    <a:srgbClr val="77B93A"/>
+                  </a:solidFill>
+                </a:rPr>
+                <a:t>n</a:t>
+              </a:r>
+              <a:r>
+                <a:rPr lang="en-US" sz="5400" b="1" dirty="0" smtClean="0">
+                  <a:ln w="6600">
+                    <a:solidFill>
+                      <a:srgbClr val="FF0000"/>
+                    </a:solidFill>
+                    <a:prstDash val="solid"/>
+                  </a:ln>
+                  <a:solidFill>
+                    <a:srgbClr val="FF0000"/>
+                  </a:solidFill>
+                </a:rPr>
+                <a:t> </a:t>
+              </a:r>
+              <a:endParaRPr lang="en-US" sz="5400" b="1" dirty="0">
+                <a:ln w="6600">
+                  <a:solidFill>
+                    <a:srgbClr val="FF0000"/>
+                  </a:solidFill>
+                  <a:prstDash val="solid"/>
+                </a:ln>
+                <a:solidFill>
+                  <a:srgbClr val="FF0000"/>
+                </a:solidFill>
+              </a:endParaRPr>
+            </a:p>
+          </p:txBody>
+        </p:sp>
+      </p:grpSp>
+      <p:pic>
+        <p:nvPicPr>
+          <p:cNvPr id="2" name="Picture 1"/>
+          <p:cNvPicPr>
+            <a:picLocks noChangeAspect="1"/>
+          </p:cNvPicPr>
+          <p:nvPr/>
+        </p:nvPicPr>
+        <p:blipFill>
+          <a:blip r:embed="rId3" cstate="print">
+            <a:extLst>
+              <a:ext uri="{28A0092B-C50C-407E-A947-70E740481C1C}">
+                <a14:useLocalDpi xmlns:a14="http://schemas.microsoft.com/office/drawing/2010/main" val="0"/>
+              </a:ext>
+            </a:extLst>
+          </a:blip>
+          <a:stretch>
+            <a:fillRect/>
+          </a:stretch>
+        </p:blipFill>
+        <p:spPr>
+          <a:xfrm>
+            <a:off x="2116029" y="1913930"/>
+            <a:ext cx="1614155" cy="1150620"/>
+          </a:xfrm>
+          <a:prstGeom prst="rect">
+            <a:avLst/>
+          </a:prstGeom>
+        </p:spPr>
+      </p:pic>
+      <p:sp>
+        <p:nvSpPr>
+          <p:cNvPr id="15" name="Rectangle 14"/>
+          <p:cNvSpPr>
+            <a:spLocks/>
+          </p:cNvSpPr>
+          <p:nvPr/>
+        </p:nvSpPr>
+        <p:spPr>
+          <a:xfrm>
+            <a:off x="6372235" y="892195"/>
+            <a:ext cx="4572000" cy="4572000"/>
+          </a:xfrm>
+          <a:prstGeom prst="rect">
+            <a:avLst/>
+          </a:prstGeom>
+          <a:noFill/>
+        </p:spPr>
+        <p:style>
+          <a:lnRef idx="2">
+            <a:schemeClr val="accent1">
+              <a:shade val="50000"/>
+            </a:schemeClr>
+          </a:lnRef>
+          <a:fillRef idx="1">
+            <a:schemeClr val="accent1"/>
+          </a:fillRef>
+          <a:effectRef idx="0">
+            <a:schemeClr val="accent1"/>
+          </a:effectRef>
+          <a:fontRef idx="minor">
+            <a:schemeClr val="lt1"/>
+          </a:fontRef>
+        </p:style>
+        <p:txBody>
+          <a:bodyPr rtlCol="0" anchor="ctr"/>
+          <a:lstStyle/>
+          <a:p>
+            <a:pPr algn="ctr"/>
+            <a:endParaRPr lang="en-US"/>
+          </a:p>
+        </p:txBody>
+      </p:sp>
+      <p:grpSp>
+        <p:nvGrpSpPr>
+          <p:cNvPr id="16" name="Group 15"/>
+          <p:cNvGrpSpPr/>
+          <p:nvPr/>
+        </p:nvGrpSpPr>
+        <p:grpSpPr>
+          <a:xfrm>
+            <a:off x="7459979" y="2716497"/>
+            <a:ext cx="2396511" cy="923396"/>
+            <a:chOff x="2814761" y="2716530"/>
+            <a:chExt cx="2396511" cy="923396"/>
+          </a:xfrm>
+        </p:grpSpPr>
+        <p:sp>
+          <p:nvSpPr>
+            <p:cNvPr id="17" name="Rectangle 16"/>
+            <p:cNvSpPr/>
+            <p:nvPr/>
+          </p:nvSpPr>
+          <p:spPr>
+            <a:xfrm>
+              <a:off x="2966095" y="2716596"/>
+              <a:ext cx="2093843" cy="923330"/>
+            </a:xfrm>
+            <a:prstGeom prst="rect">
+              <a:avLst/>
+            </a:prstGeom>
+            <a:noFill/>
+          </p:spPr>
+          <p:txBody>
+            <a:bodyPr wrap="none" lIns="91440" tIns="45720" rIns="91440" bIns="45720">
+              <a:spAutoFit/>
+            </a:bodyPr>
+            <a:lstStyle/>
+            <a:p>
+              <a:pPr algn="ctr"/>
+              <a:r>
+                <a:rPr lang="en-US" sz="5400" b="1" cap="none" spc="0" dirty="0" smtClean="0">
+                  <a:ln w="12700">
+                    <a:solidFill>
+                      <a:srgbClr val="818184"/>
+                    </a:solidFill>
+                    <a:prstDash val="solid"/>
+                  </a:ln>
+                  <a:solidFill>
+                    <a:srgbClr val="818184"/>
+                  </a:solidFill>
+                </a:rPr>
+                <a:t>Health</a:t>
+              </a:r>
+              <a:endParaRPr lang="en-US" sz="5400" b="1" cap="none" spc="0" dirty="0">
+                <a:ln w="12700">
+                  <a:solidFill>
+                    <a:srgbClr val="818184"/>
+                  </a:solidFill>
+                  <a:prstDash val="solid"/>
+                </a:ln>
+                <a:solidFill>
+                  <a:srgbClr val="818184"/>
+                </a:solidFill>
+              </a:endParaRPr>
+            </a:p>
+          </p:txBody>
+        </p:sp>
+        <p:sp>
+          <p:nvSpPr>
+            <p:cNvPr id="18" name="Rectangle 17"/>
+            <p:cNvSpPr/>
+            <p:nvPr/>
+          </p:nvSpPr>
+          <p:spPr>
+            <a:xfrm>
+              <a:off x="2814761" y="2716530"/>
+              <a:ext cx="354585" cy="923330"/>
+            </a:xfrm>
+            <a:prstGeom prst="rect">
+              <a:avLst/>
+            </a:prstGeom>
+            <a:noFill/>
+          </p:spPr>
+          <p:txBody>
+            <a:bodyPr wrap="none" lIns="91440" tIns="45720" rIns="91440" bIns="45720">
+              <a:spAutoFit/>
+            </a:bodyPr>
+            <a:lstStyle/>
+            <a:p>
+              <a:pPr algn="ctr"/>
+              <a:r>
+                <a:rPr lang="en-US" sz="5400" b="1" cap="none" spc="0" dirty="0" smtClean="0">
+                  <a:ln w="6600">
+                    <a:solidFill>
+                      <a:srgbClr val="66B021"/>
+                    </a:solidFill>
+                    <a:prstDash val="solid"/>
+                  </a:ln>
+                  <a:solidFill>
+                    <a:srgbClr val="77B93A"/>
+                  </a:solidFill>
+                </a:rPr>
+                <a:t>i</a:t>
+              </a:r>
+              <a:endParaRPr lang="en-US" sz="5400" b="1" cap="none" spc="0" dirty="0">
+                <a:ln w="6600">
+                  <a:solidFill>
+                    <a:srgbClr val="66B021"/>
+                  </a:solidFill>
+                  <a:prstDash val="solid"/>
+                </a:ln>
+                <a:solidFill>
+                  <a:srgbClr val="77B93A"/>
+                </a:solidFill>
+                <a:effectLst>
+                  <a:outerShdw dist="38100" dir="2700000" algn="tl" rotWithShape="0">
+                    <a:schemeClr val="accent2"/>
+                  </a:outerShdw>
+                </a:effectLst>
+              </a:endParaRPr>
+            </a:p>
+          </p:txBody>
+        </p:sp>
+        <p:sp>
+          <p:nvSpPr>
+            <p:cNvPr id="19" name="Rectangle 18"/>
             <p:cNvSpPr/>
             <p:nvPr/>
           </p:nvSpPr>

--- a/lg/Logo.pptx
+++ b/lg/Logo.pptx
@@ -3261,12 +3261,16 @@
                 <a:rPr lang="en-US" sz="5400" b="1" cap="none" spc="0" dirty="0" smtClean="0">
                   <a:ln w="12700">
                     <a:solidFill>
-                      <a:srgbClr val="818184"/>
+                      <a:schemeClr val="accent4">
+                        <a:lumMod val="50000"/>
+                      </a:schemeClr>
                     </a:solidFill>
                     <a:prstDash val="solid"/>
                   </a:ln>
                   <a:solidFill>
-                    <a:srgbClr val="818184"/>
+                    <a:schemeClr val="accent4">
+                      <a:lumMod val="50000"/>
+                    </a:schemeClr>
                   </a:solidFill>
                 </a:rPr>
                 <a:t>Health</a:t>
@@ -3274,12 +3278,16 @@
               <a:endParaRPr lang="en-US" sz="5400" b="1" cap="none" spc="0" dirty="0">
                 <a:ln w="12700">
                   <a:solidFill>
-                    <a:srgbClr val="818184"/>
+                    <a:schemeClr val="accent4">
+                      <a:lumMod val="50000"/>
+                    </a:schemeClr>
                   </a:solidFill>
                   <a:prstDash val="solid"/>
                 </a:ln>
                 <a:solidFill>
-                  <a:srgbClr val="818184"/>
+                  <a:schemeClr val="accent4">
+                    <a:lumMod val="50000"/>
+                  </a:schemeClr>
                 </a:solidFill>
               </a:endParaRPr>
             </a:p>
@@ -3409,36 +3417,6 @@
           </p:txBody>
         </p:sp>
       </p:grpSp>
-      <p:pic>
-        <p:nvPicPr>
-          <p:cNvPr id="2" name="Picture 1"/>
-          <p:cNvPicPr>
-            <a:picLocks noChangeAspect="1"/>
-          </p:cNvPicPr>
-          <p:nvPr/>
-        </p:nvPicPr>
-        <p:blipFill>
-          <a:blip r:embed="rId3" cstate="print">
-            <a:extLst>
-              <a:ext uri="{28A0092B-C50C-407E-A947-70E740481C1C}">
-                <a14:useLocalDpi xmlns:a14="http://schemas.microsoft.com/office/drawing/2010/main" val="0"/>
-              </a:ext>
-            </a:extLst>
-          </a:blip>
-          <a:stretch>
-            <a:fillRect/>
-          </a:stretch>
-        </p:blipFill>
-        <p:spPr>
-          <a:xfrm>
-            <a:off x="2116029" y="1913930"/>
-            <a:ext cx="1614155" cy="1150620"/>
-          </a:xfrm>
-          <a:prstGeom prst="rect">
-            <a:avLst/>
-          </a:prstGeom>
-        </p:spPr>
-      </p:pic>
       <p:sp>
         <p:nvSpPr>
           <p:cNvPr id="15" name="Rectangle 14"/>
@@ -3671,6 +3649,94 @@
           </p:txBody>
         </p:sp>
       </p:grpSp>
+      <p:sp>
+        <p:nvSpPr>
+          <p:cNvPr id="22" name="Rectangle 21"/>
+          <p:cNvSpPr/>
+          <p:nvPr/>
+        </p:nvSpPr>
+        <p:spPr>
+          <a:xfrm>
+            <a:off x="2709304" y="2355334"/>
+            <a:ext cx="369012" cy="923330"/>
+          </a:xfrm>
+          <a:prstGeom prst="rect">
+            <a:avLst/>
+          </a:prstGeom>
+        </p:spPr>
+        <p:txBody>
+          <a:bodyPr wrap="none">
+            <a:spAutoFit/>
+          </a:bodyPr>
+          <a:lstStyle/>
+          <a:p>
+            <a:pPr algn="ctr"/>
+            <a:r>
+              <a:rPr lang="en-US" sz="5400" b="1" dirty="0" smtClean="0">
+                <a:ln w="6600">
+                  <a:solidFill>
+                    <a:schemeClr val="accent4">
+                      <a:lumMod val="50000"/>
+                    </a:schemeClr>
+                  </a:solidFill>
+                  <a:prstDash val="solid"/>
+                </a:ln>
+                <a:solidFill>
+                  <a:schemeClr val="accent4">
+                    <a:lumMod val="50000"/>
+                  </a:schemeClr>
+                </a:solidFill>
+              </a:rPr>
+              <a:t>.</a:t>
+            </a:r>
+            <a:endParaRPr lang="en-US" sz="5400" b="1" dirty="0">
+              <a:ln w="6600">
+                <a:solidFill>
+                  <a:schemeClr val="accent4">
+                    <a:lumMod val="50000"/>
+                  </a:schemeClr>
+                </a:solidFill>
+                <a:prstDash val="solid"/>
+              </a:ln>
+              <a:solidFill>
+                <a:schemeClr val="accent4">
+                  <a:lumMod val="50000"/>
+                </a:schemeClr>
+              </a:solidFill>
+            </a:endParaRPr>
+          </a:p>
+        </p:txBody>
+      </p:sp>
+      <p:pic>
+        <p:nvPicPr>
+          <p:cNvPr id="2" name="Picture 1"/>
+          <p:cNvPicPr>
+            <a:picLocks noChangeAspect="1"/>
+          </p:cNvPicPr>
+          <p:nvPr/>
+        </p:nvPicPr>
+        <p:blipFill>
+          <a:blip r:embed="rId3" cstate="print">
+            <a:extLst>
+              <a:ext uri="{28A0092B-C50C-407E-A947-70E740481C1C}">
+                <a14:useLocalDpi xmlns:a14="http://schemas.microsoft.com/office/drawing/2010/main" val="0"/>
+              </a:ext>
+            </a:extLst>
+          </a:blip>
+          <a:stretch>
+            <a:fillRect/>
+          </a:stretch>
+        </p:blipFill>
+        <p:spPr>
+          <a:xfrm>
+            <a:off x="2121082" y="1913930"/>
+            <a:ext cx="1614155" cy="1150620"/>
+          </a:xfrm>
+          <a:prstGeom prst="rect">
+            <a:avLst/>
+          </a:prstGeom>
+        </p:spPr>
+      </p:pic>
     </p:spTree>
     <p:extLst>
       <p:ext uri="{BB962C8B-B14F-4D97-AF65-F5344CB8AC3E}">

--- a/lg/Logo.pptx
+++ b/lg/Logo.pptx
@@ -3729,7 +3729,7 @@
         </p:blipFill>
         <p:spPr>
           <a:xfrm>
-            <a:off x="2121082" y="1913930"/>
+            <a:off x="2913038" y="2193330"/>
             <a:ext cx="1614155" cy="1150620"/>
           </a:xfrm>
           <a:prstGeom prst="rect">
